--- a/Final presentation.pptx
+++ b/Final presentation.pptx
@@ -4,6 +4,9 @@
   <p:sldMasterIdLst>
     <p:sldMasterId id="2147483648" r:id="rId1"/>
   </p:sldMasterIdLst>
+  <p:notesMasterIdLst>
+    <p:notesMasterId r:id="rId20"/>
+  </p:notesMasterIdLst>
   <p:sldIdLst>
     <p:sldId id="256" r:id="rId2"/>
     <p:sldId id="257" r:id="rId3"/>
@@ -129,6 +132,461 @@
 </p:presentation>
 </file>
 
+<file path=ppt/notesMasters/notesMaster1.xml><?xml version="1.0" encoding="utf-8"?>
+<p:notesMaster xmlns:a="http://schemas.openxmlformats.org/drawingml/2006/main" xmlns:r="http://schemas.openxmlformats.org/officeDocument/2006/relationships" xmlns:p="http://schemas.openxmlformats.org/presentationml/2006/main">
+  <p:cSld>
+    <p:bg>
+      <p:bgRef idx="1001">
+        <a:schemeClr val="bg1"/>
+      </p:bgRef>
+    </p:bg>
+    <p:spTree>
+      <p:nvGrpSpPr>
+        <p:cNvPr id="1" name=""/>
+        <p:cNvGrpSpPr/>
+        <p:nvPr/>
+      </p:nvGrpSpPr>
+      <p:grpSpPr>
+        <a:xfrm>
+          <a:off x="0" y="0"/>
+          <a:ext cx="0" cy="0"/>
+          <a:chOff x="0" y="0"/>
+          <a:chExt cx="0" cy="0"/>
+        </a:xfrm>
+      </p:grpSpPr>
+      <p:sp>
+        <p:nvSpPr>
+          <p:cNvPr id="2" name="Espace réservé de l'en-tête 1"/>
+          <p:cNvSpPr>
+            <a:spLocks noGrp="1"/>
+          </p:cNvSpPr>
+          <p:nvPr>
+            <p:ph type="hdr" sz="quarter"/>
+          </p:nvPr>
+        </p:nvSpPr>
+        <p:spPr>
+          <a:xfrm>
+            <a:off x="0" y="0"/>
+            <a:ext cx="2971800" cy="458788"/>
+          </a:xfrm>
+          <a:prstGeom prst="rect">
+            <a:avLst/>
+          </a:prstGeom>
+        </p:spPr>
+        <p:txBody>
+          <a:bodyPr vert="horz" lIns="91440" tIns="45720" rIns="91440" bIns="45720" rtlCol="0"/>
+          <a:lstStyle>
+            <a:lvl1pPr algn="l">
+              <a:defRPr sz="1200"/>
+            </a:lvl1pPr>
+          </a:lstStyle>
+          <a:p>
+            <a:endParaRPr lang="en-CA"/>
+          </a:p>
+        </p:txBody>
+      </p:sp>
+      <p:sp>
+        <p:nvSpPr>
+          <p:cNvPr id="3" name="Espace réservé de la date 2"/>
+          <p:cNvSpPr>
+            <a:spLocks noGrp="1"/>
+          </p:cNvSpPr>
+          <p:nvPr>
+            <p:ph type="dt" idx="1"/>
+          </p:nvPr>
+        </p:nvSpPr>
+        <p:spPr>
+          <a:xfrm>
+            <a:off x="3884613" y="0"/>
+            <a:ext cx="2971800" cy="458788"/>
+          </a:xfrm>
+          <a:prstGeom prst="rect">
+            <a:avLst/>
+          </a:prstGeom>
+        </p:spPr>
+        <p:txBody>
+          <a:bodyPr vert="horz" lIns="91440" tIns="45720" rIns="91440" bIns="45720" rtlCol="0"/>
+          <a:lstStyle>
+            <a:lvl1pPr algn="r">
+              <a:defRPr sz="1200"/>
+            </a:lvl1pPr>
+          </a:lstStyle>
+          <a:p>
+            <a:fld id="{91C8D3F0-5A88-4E90-A4D4-76A34659F73D}" type="datetimeFigureOut">
+              <a:rPr lang="en-CA" smtClean="0"/>
+              <a:t>2021-01-16</a:t>
+            </a:fld>
+            <a:endParaRPr lang="en-CA"/>
+          </a:p>
+        </p:txBody>
+      </p:sp>
+      <p:sp>
+        <p:nvSpPr>
+          <p:cNvPr id="4" name="Espace réservé de l'image des diapositives 3"/>
+          <p:cNvSpPr>
+            <a:spLocks noGrp="1" noRot="1" noChangeAspect="1"/>
+          </p:cNvSpPr>
+          <p:nvPr>
+            <p:ph type="sldImg" idx="2"/>
+          </p:nvPr>
+        </p:nvSpPr>
+        <p:spPr>
+          <a:xfrm>
+            <a:off x="685800" y="1143000"/>
+            <a:ext cx="5486400" cy="3086100"/>
+          </a:xfrm>
+          <a:prstGeom prst="rect">
+            <a:avLst/>
+          </a:prstGeom>
+          <a:noFill/>
+          <a:ln w="12700">
+            <a:solidFill>
+              <a:prstClr val="black"/>
+            </a:solidFill>
+          </a:ln>
+        </p:spPr>
+        <p:txBody>
+          <a:bodyPr vert="horz" lIns="91440" tIns="45720" rIns="91440" bIns="45720" rtlCol="0" anchor="ctr"/>
+          <a:lstStyle/>
+          <a:p>
+            <a:endParaRPr lang="en-CA"/>
+          </a:p>
+        </p:txBody>
+      </p:sp>
+      <p:sp>
+        <p:nvSpPr>
+          <p:cNvPr id="5" name="Espace réservé des notes 4"/>
+          <p:cNvSpPr>
+            <a:spLocks noGrp="1"/>
+          </p:cNvSpPr>
+          <p:nvPr>
+            <p:ph type="body" sz="quarter" idx="3"/>
+          </p:nvPr>
+        </p:nvSpPr>
+        <p:spPr>
+          <a:xfrm>
+            <a:off x="685800" y="4400550"/>
+            <a:ext cx="5486400" cy="3600450"/>
+          </a:xfrm>
+          <a:prstGeom prst="rect">
+            <a:avLst/>
+          </a:prstGeom>
+        </p:spPr>
+        <p:txBody>
+          <a:bodyPr vert="horz" lIns="91440" tIns="45720" rIns="91440" bIns="45720" rtlCol="0"/>
+          <a:lstStyle/>
+          <a:p>
+            <a:pPr lvl="0"/>
+            <a:r>
+              <a:rPr lang="fr-FR"/>
+              <a:t>Cliquez pour modifier les styles du texte du masque</a:t>
+            </a:r>
+          </a:p>
+          <a:p>
+            <a:pPr lvl="1"/>
+            <a:r>
+              <a:rPr lang="fr-FR"/>
+              <a:t>Deuxième niveau</a:t>
+            </a:r>
+          </a:p>
+          <a:p>
+            <a:pPr lvl="2"/>
+            <a:r>
+              <a:rPr lang="fr-FR"/>
+              <a:t>Troisième niveau</a:t>
+            </a:r>
+          </a:p>
+          <a:p>
+            <a:pPr lvl="3"/>
+            <a:r>
+              <a:rPr lang="fr-FR"/>
+              <a:t>Quatrième niveau</a:t>
+            </a:r>
+          </a:p>
+          <a:p>
+            <a:pPr lvl="4"/>
+            <a:r>
+              <a:rPr lang="fr-FR"/>
+              <a:t>Cinquième niveau</a:t>
+            </a:r>
+            <a:endParaRPr lang="en-CA"/>
+          </a:p>
+        </p:txBody>
+      </p:sp>
+      <p:sp>
+        <p:nvSpPr>
+          <p:cNvPr id="6" name="Espace réservé du pied de page 5"/>
+          <p:cNvSpPr>
+            <a:spLocks noGrp="1"/>
+          </p:cNvSpPr>
+          <p:nvPr>
+            <p:ph type="ftr" sz="quarter" idx="4"/>
+          </p:nvPr>
+        </p:nvSpPr>
+        <p:spPr>
+          <a:xfrm>
+            <a:off x="0" y="8685213"/>
+            <a:ext cx="2971800" cy="458787"/>
+          </a:xfrm>
+          <a:prstGeom prst="rect">
+            <a:avLst/>
+          </a:prstGeom>
+        </p:spPr>
+        <p:txBody>
+          <a:bodyPr vert="horz" lIns="91440" tIns="45720" rIns="91440" bIns="45720" rtlCol="0" anchor="b"/>
+          <a:lstStyle>
+            <a:lvl1pPr algn="l">
+              <a:defRPr sz="1200"/>
+            </a:lvl1pPr>
+          </a:lstStyle>
+          <a:p>
+            <a:endParaRPr lang="en-CA"/>
+          </a:p>
+        </p:txBody>
+      </p:sp>
+      <p:sp>
+        <p:nvSpPr>
+          <p:cNvPr id="7" name="Espace réservé du numéro de diapositive 6"/>
+          <p:cNvSpPr>
+            <a:spLocks noGrp="1"/>
+          </p:cNvSpPr>
+          <p:nvPr>
+            <p:ph type="sldNum" sz="quarter" idx="5"/>
+          </p:nvPr>
+        </p:nvSpPr>
+        <p:spPr>
+          <a:xfrm>
+            <a:off x="3884613" y="8685213"/>
+            <a:ext cx="2971800" cy="458787"/>
+          </a:xfrm>
+          <a:prstGeom prst="rect">
+            <a:avLst/>
+          </a:prstGeom>
+        </p:spPr>
+        <p:txBody>
+          <a:bodyPr vert="horz" lIns="91440" tIns="45720" rIns="91440" bIns="45720" rtlCol="0" anchor="b"/>
+          <a:lstStyle>
+            <a:lvl1pPr algn="r">
+              <a:defRPr sz="1200"/>
+            </a:lvl1pPr>
+          </a:lstStyle>
+          <a:p>
+            <a:fld id="{B0CB22B1-BAC8-4A4F-89DF-13B247B10950}" type="slidenum">
+              <a:rPr lang="en-CA" smtClean="0"/>
+              <a:t>‹N°›</a:t>
+            </a:fld>
+            <a:endParaRPr lang="en-CA"/>
+          </a:p>
+        </p:txBody>
+      </p:sp>
+    </p:spTree>
+    <p:extLst>
+      <p:ext uri="{BB962C8B-B14F-4D97-AF65-F5344CB8AC3E}">
+        <p14:creationId xmlns:p14="http://schemas.microsoft.com/office/powerpoint/2010/main" val="638482932"/>
+      </p:ext>
+    </p:extLst>
+  </p:cSld>
+  <p:clrMap bg1="lt1" tx1="dk1" bg2="lt2" tx2="dk2" accent1="accent1" accent2="accent2" accent3="accent3" accent4="accent4" accent5="accent5" accent6="accent6" hlink="hlink" folHlink="folHlink"/>
+  <p:notesStyle>
+    <a:lvl1pPr marL="0" algn="l" defTabSz="914400" rtl="0" eaLnBrk="1" latinLnBrk="0" hangingPunct="1">
+      <a:defRPr sz="1200" kern="1200">
+        <a:solidFill>
+          <a:schemeClr val="tx1"/>
+        </a:solidFill>
+        <a:latin typeface="+mn-lt"/>
+        <a:ea typeface="+mn-ea"/>
+        <a:cs typeface="+mn-cs"/>
+      </a:defRPr>
+    </a:lvl1pPr>
+    <a:lvl2pPr marL="457200" algn="l" defTabSz="914400" rtl="0" eaLnBrk="1" latinLnBrk="0" hangingPunct="1">
+      <a:defRPr sz="1200" kern="1200">
+        <a:solidFill>
+          <a:schemeClr val="tx1"/>
+        </a:solidFill>
+        <a:latin typeface="+mn-lt"/>
+        <a:ea typeface="+mn-ea"/>
+        <a:cs typeface="+mn-cs"/>
+      </a:defRPr>
+    </a:lvl2pPr>
+    <a:lvl3pPr marL="914400" algn="l" defTabSz="914400" rtl="0" eaLnBrk="1" latinLnBrk="0" hangingPunct="1">
+      <a:defRPr sz="1200" kern="1200">
+        <a:solidFill>
+          <a:schemeClr val="tx1"/>
+        </a:solidFill>
+        <a:latin typeface="+mn-lt"/>
+        <a:ea typeface="+mn-ea"/>
+        <a:cs typeface="+mn-cs"/>
+      </a:defRPr>
+    </a:lvl3pPr>
+    <a:lvl4pPr marL="1371600" algn="l" defTabSz="914400" rtl="0" eaLnBrk="1" latinLnBrk="0" hangingPunct="1">
+      <a:defRPr sz="1200" kern="1200">
+        <a:solidFill>
+          <a:schemeClr val="tx1"/>
+        </a:solidFill>
+        <a:latin typeface="+mn-lt"/>
+        <a:ea typeface="+mn-ea"/>
+        <a:cs typeface="+mn-cs"/>
+      </a:defRPr>
+    </a:lvl4pPr>
+    <a:lvl5pPr marL="1828800" algn="l" defTabSz="914400" rtl="0" eaLnBrk="1" latinLnBrk="0" hangingPunct="1">
+      <a:defRPr sz="1200" kern="1200">
+        <a:solidFill>
+          <a:schemeClr val="tx1"/>
+        </a:solidFill>
+        <a:latin typeface="+mn-lt"/>
+        <a:ea typeface="+mn-ea"/>
+        <a:cs typeface="+mn-cs"/>
+      </a:defRPr>
+    </a:lvl5pPr>
+    <a:lvl6pPr marL="2286000" algn="l" defTabSz="914400" rtl="0" eaLnBrk="1" latinLnBrk="0" hangingPunct="1">
+      <a:defRPr sz="1200" kern="1200">
+        <a:solidFill>
+          <a:schemeClr val="tx1"/>
+        </a:solidFill>
+        <a:latin typeface="+mn-lt"/>
+        <a:ea typeface="+mn-ea"/>
+        <a:cs typeface="+mn-cs"/>
+      </a:defRPr>
+    </a:lvl6pPr>
+    <a:lvl7pPr marL="2743200" algn="l" defTabSz="914400" rtl="0" eaLnBrk="1" latinLnBrk="0" hangingPunct="1">
+      <a:defRPr sz="1200" kern="1200">
+        <a:solidFill>
+          <a:schemeClr val="tx1"/>
+        </a:solidFill>
+        <a:latin typeface="+mn-lt"/>
+        <a:ea typeface="+mn-ea"/>
+        <a:cs typeface="+mn-cs"/>
+      </a:defRPr>
+    </a:lvl7pPr>
+    <a:lvl8pPr marL="3200400" algn="l" defTabSz="914400" rtl="0" eaLnBrk="1" latinLnBrk="0" hangingPunct="1">
+      <a:defRPr sz="1200" kern="1200">
+        <a:solidFill>
+          <a:schemeClr val="tx1"/>
+        </a:solidFill>
+        <a:latin typeface="+mn-lt"/>
+        <a:ea typeface="+mn-ea"/>
+        <a:cs typeface="+mn-cs"/>
+      </a:defRPr>
+    </a:lvl8pPr>
+    <a:lvl9pPr marL="3657600" algn="l" defTabSz="914400" rtl="0" eaLnBrk="1" latinLnBrk="0" hangingPunct="1">
+      <a:defRPr sz="1200" kern="1200">
+        <a:solidFill>
+          <a:schemeClr val="tx1"/>
+        </a:solidFill>
+        <a:latin typeface="+mn-lt"/>
+        <a:ea typeface="+mn-ea"/>
+        <a:cs typeface="+mn-cs"/>
+      </a:defRPr>
+    </a:lvl9pPr>
+  </p:notesStyle>
+</p:notesMaster>
+</file>
+
+<file path=ppt/notesSlides/notesSlide1.xml><?xml version="1.0" encoding="utf-8"?>
+<p:notes xmlns:a="http://schemas.openxmlformats.org/drawingml/2006/main" xmlns:r="http://schemas.openxmlformats.org/officeDocument/2006/relationships" xmlns:p="http://schemas.openxmlformats.org/presentationml/2006/main">
+  <p:cSld>
+    <p:spTree>
+      <p:nvGrpSpPr>
+        <p:cNvPr id="1" name=""/>
+        <p:cNvGrpSpPr/>
+        <p:nvPr/>
+      </p:nvGrpSpPr>
+      <p:grpSpPr>
+        <a:xfrm>
+          <a:off x="0" y="0"/>
+          <a:ext cx="0" cy="0"/>
+          <a:chOff x="0" y="0"/>
+          <a:chExt cx="0" cy="0"/>
+        </a:xfrm>
+      </p:grpSpPr>
+      <p:sp>
+        <p:nvSpPr>
+          <p:cNvPr id="2" name="Espace réservé de l'image des diapositives 1"/>
+          <p:cNvSpPr>
+            <a:spLocks noGrp="1" noRot="1" noChangeAspect="1"/>
+          </p:cNvSpPr>
+          <p:nvPr>
+            <p:ph type="sldImg"/>
+          </p:nvPr>
+        </p:nvSpPr>
+        <p:spPr/>
+      </p:sp>
+      <p:sp>
+        <p:nvSpPr>
+          <p:cNvPr id="3" name="Espace réservé des notes 2"/>
+          <p:cNvSpPr>
+            <a:spLocks noGrp="1"/>
+          </p:cNvSpPr>
+          <p:nvPr>
+            <p:ph type="body" idx="1"/>
+          </p:nvPr>
+        </p:nvSpPr>
+        <p:spPr/>
+        <p:txBody>
+          <a:bodyPr/>
+          <a:lstStyle/>
+          <a:p>
+            <a:r>
+              <a:rPr lang="en-CA" dirty="0"/>
+              <a:t>If we compare the 3 dates, we observe that the APG slope flattens, gets less steep over time. </a:t>
+            </a:r>
+          </a:p>
+          <a:p>
+            <a:r>
+              <a:rPr lang="en-CA" dirty="0"/>
+              <a:t>In all treatments and for all dates (except the last one when it is less clear), we see a trend highlighting an increase in APG as landscape complexity increases. </a:t>
+            </a:r>
+          </a:p>
+          <a:p>
+            <a:r>
+              <a:rPr lang="en-CA" dirty="0"/>
+              <a:t>It can also be seen that in treatments involving more than 2 natural enemies, APG growth was the lowest. For example, the dark blue line represents the treatment with herbivores, flying insects and ground-dwellers while the pink one stands for all enemies. These two colors lie below the other ones, APG growth was most reduced in these treatments. On the other hand, when all natural enemies are excluded (H treatment), APG growth is at its highest.</a:t>
+            </a:r>
+          </a:p>
+          <a:p>
+            <a:r>
+              <a:rPr lang="en-CA" dirty="0"/>
+              <a:t>This finding is consistent with our hypothesis. </a:t>
+            </a:r>
+          </a:p>
+        </p:txBody>
+      </p:sp>
+      <p:sp>
+        <p:nvSpPr>
+          <p:cNvPr id="4" name="Espace réservé du numéro de diapositive 3"/>
+          <p:cNvSpPr>
+            <a:spLocks noGrp="1"/>
+          </p:cNvSpPr>
+          <p:nvPr>
+            <p:ph type="sldNum" sz="quarter" idx="5"/>
+          </p:nvPr>
+        </p:nvSpPr>
+        <p:spPr/>
+        <p:txBody>
+          <a:bodyPr/>
+          <a:lstStyle/>
+          <a:p>
+            <a:fld id="{B0CB22B1-BAC8-4A4F-89DF-13B247B10950}" type="slidenum">
+              <a:rPr lang="en-CA" smtClean="0"/>
+              <a:t>7</a:t>
+            </a:fld>
+            <a:endParaRPr lang="en-CA"/>
+          </a:p>
+        </p:txBody>
+      </p:sp>
+    </p:spTree>
+    <p:extLst>
+      <p:ext uri="{BB962C8B-B14F-4D97-AF65-F5344CB8AC3E}">
+        <p14:creationId xmlns:p14="http://schemas.microsoft.com/office/powerpoint/2010/main" val="2641411061"/>
+      </p:ext>
+    </p:extLst>
+  </p:cSld>
+  <p:clrMapOvr>
+    <a:masterClrMapping/>
+  </p:clrMapOvr>
+</p:notes>
+</file>
+
 <file path=ppt/slideLayouts/slideLayout1.xml><?xml version="1.0" encoding="utf-8"?>
 <p:sldLayout xmlns:a="http://schemas.openxmlformats.org/drawingml/2006/main" xmlns:r="http://schemas.openxmlformats.org/officeDocument/2006/relationships" xmlns:p="http://schemas.openxmlformats.org/presentationml/2006/main" type="title" preserve="1">
   <p:cSld name="Diapositive de titre">
@@ -278,7 +736,7 @@
           <a:p>
             <a:fld id="{4C9EA7AC-FB67-44C3-9486-D22DC44F7D84}" type="datetimeFigureOut">
               <a:rPr lang="fr-CA" smtClean="0"/>
-              <a:t>2021-01-15</a:t>
+              <a:t>2021-01-16</a:t>
             </a:fld>
             <a:endParaRPr lang="fr-CA"/>
           </a:p>
@@ -478,7 +936,7 @@
           <a:p>
             <a:fld id="{4C9EA7AC-FB67-44C3-9486-D22DC44F7D84}" type="datetimeFigureOut">
               <a:rPr lang="fr-CA" smtClean="0"/>
-              <a:t>2021-01-15</a:t>
+              <a:t>2021-01-16</a:t>
             </a:fld>
             <a:endParaRPr lang="fr-CA"/>
           </a:p>
@@ -688,7 +1146,7 @@
           <a:p>
             <a:fld id="{4C9EA7AC-FB67-44C3-9486-D22DC44F7D84}" type="datetimeFigureOut">
               <a:rPr lang="fr-CA" smtClean="0"/>
-              <a:t>2021-01-15</a:t>
+              <a:t>2021-01-16</a:t>
             </a:fld>
             <a:endParaRPr lang="fr-CA"/>
           </a:p>
@@ -888,7 +1346,7 @@
           <a:p>
             <a:fld id="{4C9EA7AC-FB67-44C3-9486-D22DC44F7D84}" type="datetimeFigureOut">
               <a:rPr lang="fr-CA" smtClean="0"/>
-              <a:t>2021-01-15</a:t>
+              <a:t>2021-01-16</a:t>
             </a:fld>
             <a:endParaRPr lang="fr-CA"/>
           </a:p>
@@ -1164,7 +1622,7 @@
           <a:p>
             <a:fld id="{4C9EA7AC-FB67-44C3-9486-D22DC44F7D84}" type="datetimeFigureOut">
               <a:rPr lang="fr-CA" smtClean="0"/>
-              <a:t>2021-01-15</a:t>
+              <a:t>2021-01-16</a:t>
             </a:fld>
             <a:endParaRPr lang="fr-CA"/>
           </a:p>
@@ -1432,7 +1890,7 @@
           <a:p>
             <a:fld id="{4C9EA7AC-FB67-44C3-9486-D22DC44F7D84}" type="datetimeFigureOut">
               <a:rPr lang="fr-CA" smtClean="0"/>
-              <a:t>2021-01-15</a:t>
+              <a:t>2021-01-16</a:t>
             </a:fld>
             <a:endParaRPr lang="fr-CA"/>
           </a:p>
@@ -1847,7 +2305,7 @@
           <a:p>
             <a:fld id="{4C9EA7AC-FB67-44C3-9486-D22DC44F7D84}" type="datetimeFigureOut">
               <a:rPr lang="fr-CA" smtClean="0"/>
-              <a:t>2021-01-15</a:t>
+              <a:t>2021-01-16</a:t>
             </a:fld>
             <a:endParaRPr lang="fr-CA"/>
           </a:p>
@@ -1989,7 +2447,7 @@
           <a:p>
             <a:fld id="{4C9EA7AC-FB67-44C3-9486-D22DC44F7D84}" type="datetimeFigureOut">
               <a:rPr lang="fr-CA" smtClean="0"/>
-              <a:t>2021-01-15</a:t>
+              <a:t>2021-01-16</a:t>
             </a:fld>
             <a:endParaRPr lang="fr-CA"/>
           </a:p>
@@ -2102,7 +2560,7 @@
           <a:p>
             <a:fld id="{4C9EA7AC-FB67-44C3-9486-D22DC44F7D84}" type="datetimeFigureOut">
               <a:rPr lang="fr-CA" smtClean="0"/>
-              <a:t>2021-01-15</a:t>
+              <a:t>2021-01-16</a:t>
             </a:fld>
             <a:endParaRPr lang="fr-CA"/>
           </a:p>
@@ -2415,7 +2873,7 @@
           <a:p>
             <a:fld id="{4C9EA7AC-FB67-44C3-9486-D22DC44F7D84}" type="datetimeFigureOut">
               <a:rPr lang="fr-CA" smtClean="0"/>
-              <a:t>2021-01-15</a:t>
+              <a:t>2021-01-16</a:t>
             </a:fld>
             <a:endParaRPr lang="fr-CA"/>
           </a:p>
@@ -2704,7 +3162,7 @@
           <a:p>
             <a:fld id="{4C9EA7AC-FB67-44C3-9486-D22DC44F7D84}" type="datetimeFigureOut">
               <a:rPr lang="fr-CA" smtClean="0"/>
-              <a:t>2021-01-15</a:t>
+              <a:t>2021-01-16</a:t>
             </a:fld>
             <a:endParaRPr lang="fr-CA"/>
           </a:p>
@@ -2947,7 +3405,7 @@
           <a:p>
             <a:fld id="{4C9EA7AC-FB67-44C3-9486-D22DC44F7D84}" type="datetimeFigureOut">
               <a:rPr lang="fr-CA" smtClean="0"/>
-              <a:t>2021-01-15</a:t>
+              <a:t>2021-01-16</a:t>
             </a:fld>
             <a:endParaRPr lang="fr-CA"/>
           </a:p>
@@ -4338,13 +4796,35 @@
             <p:ph type="title"/>
           </p:nvPr>
         </p:nvSpPr>
-        <p:spPr/>
+        <p:spPr>
+          <a:xfrm>
+            <a:off x="838200" y="190464"/>
+            <a:ext cx="10515600" cy="1325563"/>
+          </a:xfrm>
+        </p:spPr>
         <p:txBody>
           <a:bodyPr>
-            <a:normAutofit/>
+            <a:normAutofit fontScale="90000"/>
           </a:bodyPr>
           <a:lstStyle/>
           <a:p>
+            <a:pPr algn="ctr"/>
+            <a:r>
+              <a:rPr lang="en-CA" sz="3000" noProof="0" dirty="0">
+                <a:latin typeface="Calisto MT" panose="02040603050505030304" pitchFamily="18" charset="0"/>
+              </a:rPr>
+              <a:t>Introduction</a:t>
+            </a:r>
+            <a:br>
+              <a:rPr lang="en-CA" sz="3000" noProof="0" dirty="0">
+                <a:latin typeface="Calisto MT" panose="02040603050505030304" pitchFamily="18" charset="0"/>
+              </a:rPr>
+            </a:br>
+            <a:br>
+              <a:rPr lang="en-CA" sz="4000" noProof="0" dirty="0">
+                <a:latin typeface="Calisto MT" panose="02040603050505030304" pitchFamily="18" charset="0"/>
+              </a:rPr>
+            </a:br>
             <a:r>
               <a:rPr lang="en-CA" sz="4000" noProof="0" dirty="0">
                 <a:latin typeface="Calisto MT" panose="02040603050505030304" pitchFamily="18" charset="0"/>
@@ -4877,8 +5357,8 @@
         </p:nvSpPr>
         <p:spPr>
           <a:xfrm>
-            <a:off x="838199" y="1580827"/>
-            <a:ext cx="10677525" cy="4596136"/>
+            <a:off x="226032" y="1478085"/>
+            <a:ext cx="11515724" cy="4596136"/>
           </a:xfrm>
         </p:spPr>
         <p:txBody>
@@ -4891,14 +5371,21 @@
               <a:buNone/>
             </a:pPr>
             <a:r>
+              <a:rPr lang="en-CA" sz="2500" dirty="0">
+                <a:latin typeface="Calisto MT" panose="02040603050505030304" pitchFamily="18" charset="0"/>
+              </a:rPr>
+              <a:t>Mainly, we</a:t>
+            </a:r>
+            <a:r>
               <a:rPr lang="en-CA" sz="2500" noProof="0" dirty="0">
                 <a:latin typeface="Calisto MT" panose="02040603050505030304" pitchFamily="18" charset="0"/>
               </a:rPr>
-              <a:t>We wanted to determine mainly:</a:t>
-            </a:r>
-          </a:p>
-          <a:p>
-            <a:pPr marL="514350" indent="-514350">
+              <a:t> wanted to determine:</a:t>
+            </a:r>
+          </a:p>
+          <a:p>
+            <a:pPr marL="457200" indent="-457200">
+              <a:buFont typeface="+mj-lt"/>
               <a:buAutoNum type="arabicPeriod"/>
             </a:pPr>
             <a:r>
@@ -4927,7 +5414,7 @@
               <a:rPr lang="en-CA" sz="2500" noProof="0" dirty="0">
                 <a:latin typeface="Calisto MT" panose="02040603050505030304" pitchFamily="18" charset="0"/>
               </a:rPr>
-              <a:t>2. The effect of NE on parasitism rate and syrphid fraction across a gradient of LC.</a:t>
+              <a:t>2.   The effect of NE on parasitism rate and syrphid fraction across a gradient    of LC.</a:t>
             </a:r>
           </a:p>
           <a:p>
@@ -4949,7 +5436,7 @@
               <a:rPr lang="en-CA" sz="2500" noProof="0" dirty="0">
                 <a:latin typeface="Calisto MT" panose="02040603050505030304" pitchFamily="18" charset="0"/>
               </a:rPr>
-              <a:t>3. The possible interaction between NE and LC. Interaction would imply that the effects of NE guilds are affected by the complexity of the landscape.  </a:t>
+              <a:t>3.    The possible interaction between NE and LC. Interaction would imply that the effects of NE guilds are affected by the complexity of the landscape.  </a:t>
             </a:r>
             <a:endParaRPr lang="en-CA" noProof="0" dirty="0"/>
           </a:p>
@@ -5203,16 +5690,35 @@
         </p:nvSpPr>
         <p:spPr>
           <a:xfrm>
-            <a:off x="3011612" y="118547"/>
-            <a:ext cx="6168775" cy="765032"/>
+            <a:off x="3011612" y="211014"/>
+            <a:ext cx="6168775" cy="1360932"/>
           </a:xfrm>
         </p:spPr>
         <p:txBody>
-          <a:bodyPr/>
-          <a:lstStyle/>
-          <a:p>
-            <a:r>
+          <a:bodyPr>
+            <a:normAutofit fontScale="90000"/>
+          </a:bodyPr>
+          <a:lstStyle/>
+          <a:p>
+            <a:pPr algn="ctr"/>
+            <a:r>
+              <a:rPr lang="en-CA" sz="3000">
+                <a:latin typeface="Calisto MT" panose="02040603050505030304" pitchFamily="18" charset="0"/>
+              </a:rPr>
+              <a:t>Method</a:t>
+            </a:r>
+            <a:br>
               <a:rPr lang="en-CA" dirty="0">
+                <a:latin typeface="Calisto MT" panose="02040603050505030304" pitchFamily="18" charset="0"/>
+              </a:rPr>
+            </a:br>
+            <a:br>
+              <a:rPr lang="en-CA" dirty="0">
+                <a:latin typeface="Calisto MT" panose="02040603050505030304" pitchFamily="18" charset="0"/>
+              </a:rPr>
+            </a:br>
+            <a:r>
+              <a:rPr lang="en-CA" sz="3600" dirty="0">
                 <a:latin typeface="Calisto MT" panose="02040603050505030304" pitchFamily="18" charset="0"/>
               </a:rPr>
               <a:t>What did we do on R?</a:t>
@@ -5238,13 +5744,13 @@
         </p:nvSpPr>
         <p:spPr>
           <a:xfrm>
-            <a:off x="838200" y="1356189"/>
-            <a:ext cx="10515600" cy="4820774"/>
+            <a:off x="838200" y="2044557"/>
+            <a:ext cx="10515600" cy="4132406"/>
           </a:xfrm>
         </p:spPr>
         <p:txBody>
           <a:bodyPr>
-            <a:normAutofit lnSpcReduction="10000"/>
+            <a:normAutofit fontScale="92500"/>
           </a:bodyPr>
           <a:lstStyle/>
           <a:p>
@@ -5253,10 +5759,22 @@
               <a:buAutoNum type="arabicPeriod"/>
             </a:pPr>
             <a:r>
-              <a:rPr lang="en-CA" dirty="0">
-                <a:latin typeface="Calisto MT" panose="02040603050505030304" pitchFamily="18" charset="0"/>
-              </a:rPr>
-              <a:t>We created 3 new variables whose formulas were given: APG, parasitism rate and syrphid fraction. </a:t>
+              <a:rPr lang="en-CA" sz="2500" dirty="0">
+                <a:latin typeface="Calisto MT" panose="02040603050505030304" pitchFamily="18" charset="0"/>
+              </a:rPr>
+              <a:t>We created </a:t>
+            </a:r>
+            <a:r>
+              <a:rPr lang="en-CA" sz="2500" b="1" dirty="0">
+                <a:latin typeface="Calisto MT" panose="02040603050505030304" pitchFamily="18" charset="0"/>
+              </a:rPr>
+              <a:t>3 new variables </a:t>
+            </a:r>
+            <a:r>
+              <a:rPr lang="en-CA" sz="2500" dirty="0">
+                <a:latin typeface="Calisto MT" panose="02040603050505030304" pitchFamily="18" charset="0"/>
+              </a:rPr>
+              <a:t>whose formulas were given: APG, parasitism rate and syrphid fraction. </a:t>
             </a:r>
           </a:p>
           <a:p>
@@ -5265,10 +5783,22 @@
               <a:buAutoNum type="arabicPeriod"/>
             </a:pPr>
             <a:r>
-              <a:rPr lang="en-CA" dirty="0">
-                <a:latin typeface="Calisto MT" panose="02040603050505030304" pitchFamily="18" charset="0"/>
-              </a:rPr>
-              <a:t>We created an excel sheet listing all the relationships between the variables that are relevant to assess. </a:t>
+              <a:rPr lang="en-CA" sz="2500" dirty="0">
+                <a:latin typeface="Calisto MT" panose="02040603050505030304" pitchFamily="18" charset="0"/>
+              </a:rPr>
+              <a:t>We created an excel sheet listing </a:t>
+            </a:r>
+            <a:r>
+              <a:rPr lang="en-CA" sz="2500" b="1" dirty="0">
+                <a:latin typeface="Calisto MT" panose="02040603050505030304" pitchFamily="18" charset="0"/>
+              </a:rPr>
+              <a:t>all the relationships </a:t>
+            </a:r>
+            <a:r>
+              <a:rPr lang="en-CA" sz="2500" dirty="0">
+                <a:latin typeface="Calisto MT" panose="02040603050505030304" pitchFamily="18" charset="0"/>
+              </a:rPr>
+              <a:t>between the variables that are relevant to assess. </a:t>
             </a:r>
           </a:p>
           <a:p>
@@ -5277,10 +5807,22 @@
               <a:buAutoNum type="arabicPeriod"/>
             </a:pPr>
             <a:r>
-              <a:rPr lang="en-CA" dirty="0">
-                <a:latin typeface="Calisto MT" panose="02040603050505030304" pitchFamily="18" charset="0"/>
-              </a:rPr>
-              <a:t>We plotted the major relationships to outline trends and study the relationships between key variables.</a:t>
+              <a:rPr lang="en-CA" sz="2500" dirty="0">
+                <a:latin typeface="Calisto MT" panose="02040603050505030304" pitchFamily="18" charset="0"/>
+              </a:rPr>
+              <a:t>We </a:t>
+            </a:r>
+            <a:r>
+              <a:rPr lang="en-CA" sz="2500" b="1" dirty="0">
+                <a:latin typeface="Calisto MT" panose="02040603050505030304" pitchFamily="18" charset="0"/>
+              </a:rPr>
+              <a:t>plotted the major relationships </a:t>
+            </a:r>
+            <a:r>
+              <a:rPr lang="en-CA" sz="2500" dirty="0">
+                <a:latin typeface="Calisto MT" panose="02040603050505030304" pitchFamily="18" charset="0"/>
+              </a:rPr>
+              <a:t>to outline trends and study the relationships between key variables.</a:t>
             </a:r>
           </a:p>
           <a:p>
@@ -5289,19 +5831,31 @@
               <a:buAutoNum type="arabicPeriod"/>
             </a:pPr>
             <a:r>
-              <a:rPr lang="en-CA" dirty="0">
-                <a:latin typeface="Calisto MT" panose="02040603050505030304" pitchFamily="18" charset="0"/>
-              </a:rPr>
-              <a:t>We ran a significant amount of linear models (</a:t>
-            </a:r>
-            <a:r>
-              <a:rPr lang="en-CA" dirty="0" err="1">
+              <a:rPr lang="en-CA" sz="2500" dirty="0">
+                <a:latin typeface="Calisto MT" panose="02040603050505030304" pitchFamily="18" charset="0"/>
+              </a:rPr>
+              <a:t>We ran a significant amount of </a:t>
+            </a:r>
+            <a:r>
+              <a:rPr lang="en-CA" sz="2500" b="1" dirty="0">
+                <a:latin typeface="Calisto MT" panose="02040603050505030304" pitchFamily="18" charset="0"/>
+              </a:rPr>
+              <a:t>linear models </a:t>
+            </a:r>
+            <a:r>
+              <a:rPr lang="en-CA" sz="2500" dirty="0">
+                <a:latin typeface="Calisto MT" panose="02040603050505030304" pitchFamily="18" charset="0"/>
+              </a:rPr>
+              <a:t>(</a:t>
+            </a:r>
+            <a:r>
+              <a:rPr lang="en-CA" sz="2500" dirty="0" err="1">
                 <a:latin typeface="Calisto MT" panose="02040603050505030304" pitchFamily="18" charset="0"/>
               </a:rPr>
               <a:t>lm</a:t>
             </a:r>
             <a:r>
-              <a:rPr lang="en-CA" dirty="0">
+              <a:rPr lang="en-CA" sz="2500" dirty="0">
                 <a:latin typeface="Calisto MT" panose="02040603050505030304" pitchFamily="18" charset="0"/>
               </a:rPr>
               <a:t>) to know what model fits best for 6 dependent variables (only 3 in the original study): aphids density, APG, aphids parasitized, parasitism rate, syrphid fraction and biomass. </a:t>
@@ -5313,7 +5867,7 @@
               <a:buAutoNum type="arabicPeriod"/>
             </a:pPr>
             <a:r>
-              <a:rPr lang="en-CA" dirty="0">
+              <a:rPr lang="en-CA" sz="2500" dirty="0">
                 <a:latin typeface="Calisto MT" panose="02040603050505030304" pitchFamily="18" charset="0"/>
               </a:rPr>
               <a:t>We carried out ANOVAS followed by “post hoc” tests to highlight significant differences between the models. </a:t>
@@ -5403,7 +5957,7 @@
           <p:nvPr/>
         </p:nvPicPr>
         <p:blipFill>
-          <a:blip r:embed="rId2"/>
+          <a:blip r:embed="rId3"/>
           <a:stretch>
             <a:fillRect/>
           </a:stretch>
@@ -6023,4 +6577,299 @@
     </a:ext>
   </a:extLst>
 </a:theme>
+</file>
+
+<file path=ppt/theme/theme2.xml><?xml version="1.0" encoding="utf-8"?>
+<a:theme xmlns:a="http://schemas.openxmlformats.org/drawingml/2006/main" name="Thème Office">
+  <a:themeElements>
+    <a:clrScheme name="Office">
+      <a:dk1>
+        <a:sysClr val="windowText" lastClr="000000"/>
+      </a:dk1>
+      <a:lt1>
+        <a:sysClr val="window" lastClr="FFFFFF"/>
+      </a:lt1>
+      <a:dk2>
+        <a:srgbClr val="44546A"/>
+      </a:dk2>
+      <a:lt2>
+        <a:srgbClr val="E7E6E6"/>
+      </a:lt2>
+      <a:accent1>
+        <a:srgbClr val="4472C4"/>
+      </a:accent1>
+      <a:accent2>
+        <a:srgbClr val="ED7D31"/>
+      </a:accent2>
+      <a:accent3>
+        <a:srgbClr val="A5A5A5"/>
+      </a:accent3>
+      <a:accent4>
+        <a:srgbClr val="FFC000"/>
+      </a:accent4>
+      <a:accent5>
+        <a:srgbClr val="5B9BD5"/>
+      </a:accent5>
+      <a:accent6>
+        <a:srgbClr val="70AD47"/>
+      </a:accent6>
+      <a:hlink>
+        <a:srgbClr val="0563C1"/>
+      </a:hlink>
+      <a:folHlink>
+        <a:srgbClr val="954F72"/>
+      </a:folHlink>
+    </a:clrScheme>
+    <a:fontScheme name="Office">
+      <a:majorFont>
+        <a:latin typeface="Calibri Light" panose="020F0302020204030204"/>
+        <a:ea typeface=""/>
+        <a:cs typeface=""/>
+        <a:font script="Jpan" typeface="游ゴシック Light"/>
+        <a:font script="Hang" typeface="맑은 고딕"/>
+        <a:font script="Hans" typeface="等线 Light"/>
+        <a:font script="Hant" typeface="新細明體"/>
+        <a:font script="Arab" typeface="Times New Roman"/>
+        <a:font script="Hebr" typeface="Times New Roman"/>
+        <a:font script="Thai" typeface="Angsana New"/>
+        <a:font script="Ethi" typeface="Nyala"/>
+        <a:font script="Beng" typeface="Vrinda"/>
+        <a:font script="Gujr" typeface="Shruti"/>
+        <a:font script="Khmr" typeface="MoolBoran"/>
+        <a:font script="Knda" typeface="Tunga"/>
+        <a:font script="Guru" typeface="Raavi"/>
+        <a:font script="Cans" typeface="Euphemia"/>
+        <a:font script="Cher" typeface="Plantagenet Cherokee"/>
+        <a:font script="Yiii" typeface="Microsoft Yi Baiti"/>
+        <a:font script="Tibt" typeface="Microsoft Himalaya"/>
+        <a:font script="Thaa" typeface="MV Boli"/>
+        <a:font script="Deva" typeface="Mangal"/>
+        <a:font script="Telu" typeface="Gautami"/>
+        <a:font script="Taml" typeface="Latha"/>
+        <a:font script="Syrc" typeface="Estrangelo Edessa"/>
+        <a:font script="Orya" typeface="Kalinga"/>
+        <a:font script="Mlym" typeface="Kartika"/>
+        <a:font script="Laoo" typeface="DokChampa"/>
+        <a:font script="Sinh" typeface="Iskoola Pota"/>
+        <a:font script="Mong" typeface="Mongolian Baiti"/>
+        <a:font script="Viet" typeface="Times New Roman"/>
+        <a:font script="Uigh" typeface="Microsoft Uighur"/>
+        <a:font script="Geor" typeface="Sylfaen"/>
+        <a:font script="Armn" typeface="Arial"/>
+        <a:font script="Bugi" typeface="Leelawadee UI"/>
+        <a:font script="Bopo" typeface="Microsoft JhengHei"/>
+        <a:font script="Java" typeface="Javanese Text"/>
+        <a:font script="Lisu" typeface="Segoe UI"/>
+        <a:font script="Mymr" typeface="Myanmar Text"/>
+        <a:font script="Nkoo" typeface="Ebrima"/>
+        <a:font script="Olck" typeface="Nirmala UI"/>
+        <a:font script="Osma" typeface="Ebrima"/>
+        <a:font script="Phag" typeface="Phagspa"/>
+        <a:font script="Syrn" typeface="Estrangelo Edessa"/>
+        <a:font script="Syrj" typeface="Estrangelo Edessa"/>
+        <a:font script="Syre" typeface="Estrangelo Edessa"/>
+        <a:font script="Sora" typeface="Nirmala UI"/>
+        <a:font script="Tale" typeface="Microsoft Tai Le"/>
+        <a:font script="Talu" typeface="Microsoft New Tai Lue"/>
+        <a:font script="Tfng" typeface="Ebrima"/>
+      </a:majorFont>
+      <a:minorFont>
+        <a:latin typeface="Calibri" panose="020F0502020204030204"/>
+        <a:ea typeface=""/>
+        <a:cs typeface=""/>
+        <a:font script="Jpan" typeface="游ゴシック"/>
+        <a:font script="Hang" typeface="맑은 고딕"/>
+        <a:font script="Hans" typeface="等线"/>
+        <a:font script="Hant" typeface="新細明體"/>
+        <a:font script="Arab" typeface="Arial"/>
+        <a:font script="Hebr" typeface="Arial"/>
+        <a:font script="Thai" typeface="Cordia New"/>
+        <a:font script="Ethi" typeface="Nyala"/>
+        <a:font script="Beng" typeface="Vrinda"/>
+        <a:font script="Gujr" typeface="Shruti"/>
+        <a:font script="Khmr" typeface="DaunPenh"/>
+        <a:font script="Knda" typeface="Tunga"/>
+        <a:font script="Guru" typeface="Raavi"/>
+        <a:font script="Cans" typeface="Euphemia"/>
+        <a:font script="Cher" typeface="Plantagenet Cherokee"/>
+        <a:font script="Yiii" typeface="Microsoft Yi Baiti"/>
+        <a:font script="Tibt" typeface="Microsoft Himalaya"/>
+        <a:font script="Thaa" typeface="MV Boli"/>
+        <a:font script="Deva" typeface="Mangal"/>
+        <a:font script="Telu" typeface="Gautami"/>
+        <a:font script="Taml" typeface="Latha"/>
+        <a:font script="Syrc" typeface="Estrangelo Edessa"/>
+        <a:font script="Orya" typeface="Kalinga"/>
+        <a:font script="Mlym" typeface="Kartika"/>
+        <a:font script="Laoo" typeface="DokChampa"/>
+        <a:font script="Sinh" typeface="Iskoola Pota"/>
+        <a:font script="Mong" typeface="Mongolian Baiti"/>
+        <a:font script="Viet" typeface="Arial"/>
+        <a:font script="Uigh" typeface="Microsoft Uighur"/>
+        <a:font script="Geor" typeface="Sylfaen"/>
+        <a:font script="Armn" typeface="Arial"/>
+        <a:font script="Bugi" typeface="Leelawadee UI"/>
+        <a:font script="Bopo" typeface="Microsoft JhengHei"/>
+        <a:font script="Java" typeface="Javanese Text"/>
+        <a:font script="Lisu" typeface="Segoe UI"/>
+        <a:font script="Mymr" typeface="Myanmar Text"/>
+        <a:font script="Nkoo" typeface="Ebrima"/>
+        <a:font script="Olck" typeface="Nirmala UI"/>
+        <a:font script="Osma" typeface="Ebrima"/>
+        <a:font script="Phag" typeface="Phagspa"/>
+        <a:font script="Syrn" typeface="Estrangelo Edessa"/>
+        <a:font script="Syrj" typeface="Estrangelo Edessa"/>
+        <a:font script="Syre" typeface="Estrangelo Edessa"/>
+        <a:font script="Sora" typeface="Nirmala UI"/>
+        <a:font script="Tale" typeface="Microsoft Tai Le"/>
+        <a:font script="Talu" typeface="Microsoft New Tai Lue"/>
+        <a:font script="Tfng" typeface="Ebrima"/>
+      </a:minorFont>
+    </a:fontScheme>
+    <a:fmtScheme name="Office">
+      <a:fillStyleLst>
+        <a:solidFill>
+          <a:schemeClr val="phClr"/>
+        </a:solidFill>
+        <a:gradFill rotWithShape="1">
+          <a:gsLst>
+            <a:gs pos="0">
+              <a:schemeClr val="phClr">
+                <a:lumMod val="110000"/>
+                <a:satMod val="105000"/>
+                <a:tint val="67000"/>
+              </a:schemeClr>
+            </a:gs>
+            <a:gs pos="50000">
+              <a:schemeClr val="phClr">
+                <a:lumMod val="105000"/>
+                <a:satMod val="103000"/>
+                <a:tint val="73000"/>
+              </a:schemeClr>
+            </a:gs>
+            <a:gs pos="100000">
+              <a:schemeClr val="phClr">
+                <a:lumMod val="105000"/>
+                <a:satMod val="109000"/>
+                <a:tint val="81000"/>
+              </a:schemeClr>
+            </a:gs>
+          </a:gsLst>
+          <a:lin ang="5400000" scaled="0"/>
+        </a:gradFill>
+        <a:gradFill rotWithShape="1">
+          <a:gsLst>
+            <a:gs pos="0">
+              <a:schemeClr val="phClr">
+                <a:satMod val="103000"/>
+                <a:lumMod val="102000"/>
+                <a:tint val="94000"/>
+              </a:schemeClr>
+            </a:gs>
+            <a:gs pos="50000">
+              <a:schemeClr val="phClr">
+                <a:satMod val="110000"/>
+                <a:lumMod val="100000"/>
+                <a:shade val="100000"/>
+              </a:schemeClr>
+            </a:gs>
+            <a:gs pos="100000">
+              <a:schemeClr val="phClr">
+                <a:lumMod val="99000"/>
+                <a:satMod val="120000"/>
+                <a:shade val="78000"/>
+              </a:schemeClr>
+            </a:gs>
+          </a:gsLst>
+          <a:lin ang="5400000" scaled="0"/>
+        </a:gradFill>
+      </a:fillStyleLst>
+      <a:lnStyleLst>
+        <a:ln w="6350" cap="flat" cmpd="sng" algn="ctr">
+          <a:solidFill>
+            <a:schemeClr val="phClr"/>
+          </a:solidFill>
+          <a:prstDash val="solid"/>
+          <a:miter lim="800000"/>
+        </a:ln>
+        <a:ln w="12700" cap="flat" cmpd="sng" algn="ctr">
+          <a:solidFill>
+            <a:schemeClr val="phClr"/>
+          </a:solidFill>
+          <a:prstDash val="solid"/>
+          <a:miter lim="800000"/>
+        </a:ln>
+        <a:ln w="19050" cap="flat" cmpd="sng" algn="ctr">
+          <a:solidFill>
+            <a:schemeClr val="phClr"/>
+          </a:solidFill>
+          <a:prstDash val="solid"/>
+          <a:miter lim="800000"/>
+        </a:ln>
+      </a:lnStyleLst>
+      <a:effectStyleLst>
+        <a:effectStyle>
+          <a:effectLst/>
+        </a:effectStyle>
+        <a:effectStyle>
+          <a:effectLst/>
+        </a:effectStyle>
+        <a:effectStyle>
+          <a:effectLst>
+            <a:outerShdw blurRad="57150" dist="19050" dir="5400000" algn="ctr" rotWithShape="0">
+              <a:srgbClr val="000000">
+                <a:alpha val="63000"/>
+              </a:srgbClr>
+            </a:outerShdw>
+          </a:effectLst>
+        </a:effectStyle>
+      </a:effectStyleLst>
+      <a:bgFillStyleLst>
+        <a:solidFill>
+          <a:schemeClr val="phClr"/>
+        </a:solidFill>
+        <a:solidFill>
+          <a:schemeClr val="phClr">
+            <a:tint val="95000"/>
+            <a:satMod val="170000"/>
+          </a:schemeClr>
+        </a:solidFill>
+        <a:gradFill rotWithShape="1">
+          <a:gsLst>
+            <a:gs pos="0">
+              <a:schemeClr val="phClr">
+                <a:tint val="93000"/>
+                <a:satMod val="150000"/>
+                <a:shade val="98000"/>
+                <a:lumMod val="102000"/>
+              </a:schemeClr>
+            </a:gs>
+            <a:gs pos="50000">
+              <a:schemeClr val="phClr">
+                <a:tint val="98000"/>
+                <a:satMod val="130000"/>
+                <a:shade val="90000"/>
+                <a:lumMod val="103000"/>
+              </a:schemeClr>
+            </a:gs>
+            <a:gs pos="100000">
+              <a:schemeClr val="phClr">
+                <a:shade val="63000"/>
+                <a:satMod val="120000"/>
+              </a:schemeClr>
+            </a:gs>
+          </a:gsLst>
+          <a:lin ang="5400000" scaled="0"/>
+        </a:gradFill>
+      </a:bgFillStyleLst>
+    </a:fmtScheme>
+  </a:themeElements>
+  <a:objectDefaults/>
+  <a:extraClrSchemeLst/>
+  <a:extLst>
+    <a:ext uri="{05A4C25C-085E-4340-85A3-A5531E510DB2}">
+      <thm15:themeFamily xmlns:thm15="http://schemas.microsoft.com/office/thememl/2012/main" name="Office Theme" id="{62F939B6-93AF-4DB8-9C6B-D6C7DFDC589F}" vid="{4A3C46E8-61CC-4603-A589-7422A47A8E4A}"/>
+    </a:ext>
+  </a:extLst>
+</a:theme>
 </file>